--- a/translations/en-us/RobotGame/EngineeringJournal.pptx
+++ b/translations/en-us/RobotGame/EngineeringJournal.pptx
@@ -116,6 +116,11 @@
       </a:defRPr>
     </a:lvl9pPr>
   </p:defaultTextStyle>
+  <p:extLst>
+    <p:ext uri="{EFAFB233-063F-42B5-8137-9DF3F51BA10A}">
+      <p15:sldGuideLst xmlns:p15="http://schemas.microsoft.com/office/powerpoint/2012/main"/>
+    </p:ext>
+  </p:extLst>
 </p:presentation>
 </file>
 
@@ -201,7 +206,7 @@
           <a:p>
             <a:fld id="{C528CD71-4833-D241-9C24-E07BA428460D}" type="datetimeFigureOut">
               <a:rPr lang="en-US" smtClean="0"/>
-              <a:t>6/9/18</a:t>
+              <a:t>10/27/22</a:t>
             </a:fld>
             <a:endParaRPr lang="en-US"/>
           </a:p>
@@ -725,7 +730,7 @@
             </a:r>
             <a:fld id="{96C5804F-0729-E148-8D77-96C0C8F047CE}" type="datetime1">
               <a:rPr lang="en-US" smtClean="0"/>
-              <a:t>6/9/18</a:t>
+              <a:t>10/27/22</a:t>
             </a:fld>
             <a:endParaRPr lang="en-US" dirty="0"/>
           </a:p>
@@ -1035,7 +1040,7 @@
           <a:p>
             <a:fld id="{C866EDB2-EA70-1D4A-8C63-A5BEDD8BB759}" type="datetime1">
               <a:rPr lang="en-US" smtClean="0"/>
-              <a:t>6/9/18</a:t>
+              <a:t>10/27/22</a:t>
             </a:fld>
             <a:endParaRPr lang="en-US" dirty="0"/>
           </a:p>
@@ -1294,7 +1299,7 @@
           <a:p>
             <a:fld id="{D48E18BB-EA55-804C-A003-BED93677F60F}" type="datetime1">
               <a:rPr lang="en-US" smtClean="0"/>
-              <a:t>6/9/18</a:t>
+              <a:t>10/27/22</a:t>
             </a:fld>
             <a:endParaRPr lang="en-US" dirty="0"/>
           </a:p>
@@ -1574,7 +1579,7 @@
             </a:r>
             <a:fld id="{693A40A6-2CF6-7F47-AF44-EE047E2E2AC3}" type="datetime1">
               <a:rPr lang="en-US" smtClean="0"/>
-              <a:t>6/9/18</a:t>
+              <a:t>10/27/22</a:t>
             </a:fld>
             <a:endParaRPr lang="en-US" dirty="0"/>
           </a:p>
@@ -2027,7 +2032,7 @@
             <a:fld id="{B61BEF0D-F0BB-DE4B-95CE-6DB70DBA9567}" type="datetimeFigureOut">
               <a:rPr lang="en-US" smtClean="0"/>
               <a:pPr/>
-              <a:t>6/9/18</a:t>
+              <a:t>10/27/22</a:t>
             </a:fld>
             <a:endParaRPr lang="en-US" dirty="0"/>
           </a:p>
@@ -2533,7 +2538,7 @@
           <a:p>
             <a:fld id="{795A9690-1D9E-C342-BA9A-A16859AE6575}" type="datetime1">
               <a:rPr lang="en-US" smtClean="0"/>
-              <a:t>6/9/18</a:t>
+              <a:t>10/27/22</a:t>
             </a:fld>
             <a:endParaRPr lang="en-US" dirty="0"/>
           </a:p>
@@ -2983,7 +2988,7 @@
           <a:p>
             <a:fld id="{E2986F92-1A65-2C44-B24F-1F893B70EC5D}" type="datetime1">
               <a:rPr lang="en-US" smtClean="0"/>
-              <a:t>6/9/18</a:t>
+              <a:t>10/27/22</a:t>
             </a:fld>
             <a:endParaRPr lang="en-US" dirty="0"/>
           </a:p>
@@ -3169,7 +3174,7 @@
           <a:p>
             <a:fld id="{02BD8AC5-6B65-354C-8A65-84445C911156}" type="datetime1">
               <a:rPr lang="en-US" smtClean="0"/>
-              <a:t>6/9/18</a:t>
+              <a:t>10/27/22</a:t>
             </a:fld>
             <a:endParaRPr lang="en-US" dirty="0"/>
           </a:p>
@@ -3293,7 +3298,7 @@
           <a:p>
             <a:fld id="{6C455870-DCDA-B149-8620-D9BBE8FABA2F}" type="datetime1">
               <a:rPr lang="en-US" smtClean="0"/>
-              <a:t>6/9/18</a:t>
+              <a:t>10/27/22</a:t>
             </a:fld>
             <a:endParaRPr lang="en-US" dirty="0"/>
           </a:p>
@@ -3700,7 +3705,7 @@
           <a:p>
             <a:fld id="{359BF4A9-F469-FE4C-84D7-0B7B477B19A0}" type="datetime1">
               <a:rPr lang="en-US" smtClean="0"/>
-              <a:t>6/9/18</a:t>
+              <a:t>10/27/22</a:t>
             </a:fld>
             <a:endParaRPr lang="en-US" dirty="0"/>
           </a:p>
@@ -4018,7 +4023,7 @@
           <a:p>
             <a:fld id="{CB6821B0-B58A-AA4E-9035-C0238677AA81}" type="datetime1">
               <a:rPr lang="en-US" smtClean="0"/>
-              <a:t>6/9/18</a:t>
+              <a:t>10/27/22</a:t>
             </a:fld>
             <a:endParaRPr lang="en-US" dirty="0"/>
           </a:p>
@@ -4378,7 +4383,7 @@
             </a:r>
             <a:fld id="{73CE5DB4-E529-2C42-91FA-B12AA950A0A2}" type="datetime1">
               <a:rPr lang="en-US" smtClean="0"/>
-              <a:t>6/9/18</a:t>
+              <a:t>10/27/22</a:t>
             </a:fld>
             <a:endParaRPr lang="en-US" dirty="0"/>
           </a:p>
@@ -5094,7 +5099,7 @@
             </a:r>
             <a:fld id="{693A40A6-2CF6-7F47-AF44-EE047E2E2AC3}" type="datetime1">
               <a:rPr lang="en-US" smtClean="0"/>
-              <a:t>6/9/18</a:t>
+              <a:t>10/27/22</a:t>
             </a:fld>
             <a:endParaRPr lang="en-US" dirty="0"/>
           </a:p>
@@ -5409,7 +5414,7 @@
             </a:r>
             <a:fld id="{CAF4CEF0-D3DA-E047-83E5-26DFF1BB7D79}" type="datetime1">
               <a:rPr lang="en-US" smtClean="0"/>
-              <a:t>6/9/18</a:t>
+              <a:t>10/27/22</a:t>
             </a:fld>
             <a:endParaRPr lang="en-US" dirty="0"/>
           </a:p>
@@ -5680,7 +5685,7 @@
             </a:r>
             <a:fld id="{2C875CD1-A79C-204A-B23C-B555B0EC76AE}" type="datetime1">
               <a:rPr lang="en-US" smtClean="0"/>
-              <a:t>6/9/18</a:t>
+              <a:t>10/27/22</a:t>
             </a:fld>
             <a:endParaRPr lang="en-US" dirty="0"/>
           </a:p>
@@ -5871,39 +5876,6 @@
       </p:sp>
       <p:sp>
         <p:nvSpPr>
-          <p:cNvPr id="4" name="Date Placeholder 3">
-            <a:extLst>
-              <a:ext uri="{FF2B5EF4-FFF2-40B4-BE49-F238E27FC236}">
-                <a16:creationId xmlns:a16="http://schemas.microsoft.com/office/drawing/2014/main" id="{7DBE8F70-3951-214D-97E8-69BBAA2487FB}"/>
-              </a:ext>
-            </a:extLst>
-          </p:cNvPr>
-          <p:cNvSpPr>
-            <a:spLocks noGrp="1"/>
-          </p:cNvSpPr>
-          <p:nvPr>
-            <p:ph type="dt" sz="half" idx="10"/>
-          </p:nvPr>
-        </p:nvSpPr>
-        <p:spPr/>
-        <p:txBody>
-          <a:bodyPr/>
-          <a:lstStyle/>
-          <a:p>
-            <a:r>
-              <a:rPr lang="en-US"/>
-              <a:t>Last Edit: </a:t>
-            </a:r>
-            <a:fld id="{94610F3C-9C5D-6442-8D67-932AD24CA357}" type="datetime1">
-              <a:rPr lang="en-US" smtClean="0"/>
-              <a:t>6/9/18</a:t>
-            </a:fld>
-            <a:endParaRPr lang="en-US" dirty="0"/>
-          </a:p>
-        </p:txBody>
-      </p:sp>
-      <p:sp>
-        <p:nvSpPr>
           <p:cNvPr id="5" name="Footer Placeholder 4">
             <a:extLst>
               <a:ext uri="{FF2B5EF4-FFF2-40B4-BE49-F238E27FC236}">
@@ -6046,7 +6018,7 @@
             </a:r>
             <a:fld id="{693A40A6-2CF6-7F47-AF44-EE047E2E2AC3}" type="datetime1">
               <a:rPr lang="en-US" smtClean="0"/>
-              <a:t>6/9/18</a:t>
+              <a:t>10/27/22</a:t>
             </a:fld>
             <a:endParaRPr lang="en-US" dirty="0"/>
           </a:p>
@@ -6324,7 +6296,7 @@
             </a:r>
             <a:fld id="{693A40A6-2CF6-7F47-AF44-EE047E2E2AC3}" type="datetime1">
               <a:rPr lang="en-US" smtClean="0"/>
-              <a:t>6/9/18</a:t>
+              <a:t>10/27/22</a:t>
             </a:fld>
             <a:endParaRPr lang="en-US" dirty="0"/>
           </a:p>
@@ -6552,7 +6524,7 @@
             </a:r>
             <a:fld id="{693A40A6-2CF6-7F47-AF44-EE047E2E2AC3}" type="datetime1">
               <a:rPr lang="en-US" smtClean="0"/>
-              <a:t>6/9/18</a:t>
+              <a:t>10/27/22</a:t>
             </a:fld>
             <a:endParaRPr lang="en-US" dirty="0"/>
           </a:p>
@@ -6774,7 +6746,7 @@
             </a:r>
             <a:fld id="{693A40A6-2CF6-7F47-AF44-EE047E2E2AC3}" type="datetime1">
               <a:rPr lang="en-US" smtClean="0"/>
-              <a:t>6/9/18</a:t>
+              <a:t>10/27/22</a:t>
             </a:fld>
             <a:endParaRPr lang="en-US" dirty="0"/>
           </a:p>
@@ -7065,7 +7037,7 @@
             </a:r>
             <a:fld id="{693A40A6-2CF6-7F47-AF44-EE047E2E2AC3}" type="datetime1">
               <a:rPr lang="en-US" smtClean="0"/>
-              <a:t>6/9/18</a:t>
+              <a:t>10/27/22</a:t>
             </a:fld>
             <a:endParaRPr lang="en-US" dirty="0"/>
           </a:p>

--- a/translations/en-us/RobotGame/EngineeringJournal.pptx
+++ b/translations/en-us/RobotGame/EngineeringJournal.pptx
@@ -206,7 +206,7 @@
           <a:p>
             <a:fld id="{C528CD71-4833-D241-9C24-E07BA428460D}" type="datetimeFigureOut">
               <a:rPr lang="en-US" smtClean="0"/>
-              <a:t>10/27/22</a:t>
+              <a:t>5/29/23</a:t>
             </a:fld>
             <a:endParaRPr lang="en-US"/>
           </a:p>
@@ -688,18 +688,18 @@
       </p:sp>
       <p:sp>
         <p:nvSpPr>
-          <p:cNvPr id="4" name="Date Placeholder 3"/>
-          <p:cNvSpPr>
-            <a:spLocks noGrp="1"/>
-          </p:cNvSpPr>
-          <p:nvPr>
-            <p:ph type="dt" sz="half" idx="10"/>
-          </p:nvPr>
-        </p:nvSpPr>
-        <p:spPr>
-          <a:xfrm>
-            <a:off x="5559327" y="6392242"/>
-            <a:ext cx="2133600" cy="365125"/>
+          <p:cNvPr id="5" name="Footer Placeholder 4"/>
+          <p:cNvSpPr>
+            <a:spLocks noGrp="1"/>
+          </p:cNvSpPr>
+          <p:nvPr>
+            <p:ph type="ftr" sz="quarter" idx="11"/>
+          </p:nvPr>
+        </p:nvSpPr>
+        <p:spPr>
+          <a:xfrm>
+            <a:off x="581192" y="6387916"/>
+            <a:ext cx="4870585" cy="365125"/>
           </a:xfrm>
           <a:prstGeom prst="rect">
             <a:avLst/>
@@ -721,59 +721,10 @@
           </a:lstStyle>
           <a:p>
             <a:r>
-              <a:rPr lang="en-US" dirty="0"/>
-              <a:t>Last Edit</a:t>
-            </a:r>
-            <a:r>
-              <a:rPr lang="en-US"/>
-              <a:t>: </a:t>
-            </a:r>
-            <a:fld id="{96C5804F-0729-E148-8D77-96C0C8F047CE}" type="datetime1">
-              <a:rPr lang="en-US" smtClean="0"/>
-              <a:t>10/27/22</a:t>
-            </a:fld>
+              <a:rPr lang="en-US"/>
+              <a:t>Copyright 2023, FLLTutorials.com. Last edit 5/29/2023</a:t>
+            </a:r>
             <a:endParaRPr lang="en-US" dirty="0"/>
-          </a:p>
-        </p:txBody>
-      </p:sp>
-      <p:sp>
-        <p:nvSpPr>
-          <p:cNvPr id="5" name="Footer Placeholder 4"/>
-          <p:cNvSpPr>
-            <a:spLocks noGrp="1"/>
-          </p:cNvSpPr>
-          <p:nvPr>
-            <p:ph type="ftr" sz="quarter" idx="11"/>
-          </p:nvPr>
-        </p:nvSpPr>
-        <p:spPr>
-          <a:xfrm>
-            <a:off x="581192" y="6387916"/>
-            <a:ext cx="4870585" cy="365125"/>
-          </a:xfrm>
-          <a:prstGeom prst="rect">
-            <a:avLst/>
-          </a:prstGeom>
-        </p:spPr>
-        <p:txBody>
-          <a:bodyPr/>
-          <a:lstStyle>
-            <a:lvl1pPr>
-              <a:defRPr>
-                <a:solidFill>
-                  <a:schemeClr val="accent1">
-                    <a:lumMod val="75000"/>
-                    <a:lumOff val="25000"/>
-                  </a:schemeClr>
-                </a:solidFill>
-              </a:defRPr>
-            </a:lvl1pPr>
-          </a:lstStyle>
-          <a:p>
-            <a:r>
-              <a:rPr lang="en-US" dirty="0"/>
-              <a:t>Copyright 2018, FLL TUTORIALS</a:t>
-            </a:r>
           </a:p>
         </p:txBody>
       </p:sp>
@@ -1038,9 +989,9 @@
           <a:bodyPr/>
           <a:lstStyle/>
           <a:p>
-            <a:fld id="{C866EDB2-EA70-1D4A-8C63-A5BEDD8BB759}" type="datetime1">
+            <a:fld id="{1DC70C9D-5862-204B-892E-252CC3566631}" type="datetime1">
               <a:rPr lang="en-US" smtClean="0"/>
-              <a:t>10/27/22</a:t>
+              <a:t>5/29/23</a:t>
             </a:fld>
             <a:endParaRPr lang="en-US" dirty="0"/>
           </a:p>
@@ -1071,7 +1022,7 @@
           <a:p>
             <a:r>
               <a:rPr lang="en-US"/>
-              <a:t>Copyright 2018, FLL TUTORIALS</a:t>
+              <a:t>Copyright 2023, FLLTutorials.com. Last edit 5/29/2023</a:t>
             </a:r>
             <a:endParaRPr lang="en-US" dirty="0"/>
           </a:p>
@@ -1297,9 +1248,9 @@
             </a:lvl1pPr>
           </a:lstStyle>
           <a:p>
-            <a:fld id="{D48E18BB-EA55-804C-A003-BED93677F60F}" type="datetime1">
+            <a:fld id="{B5672875-5347-D447-B322-B327136F5EDC}" type="datetime1">
               <a:rPr lang="en-US" smtClean="0"/>
-              <a:t>10/27/22</a:t>
+              <a:t>5/29/23</a:t>
             </a:fld>
             <a:endParaRPr lang="en-US" dirty="0"/>
           </a:p>
@@ -1330,7 +1281,7 @@
           <a:p>
             <a:r>
               <a:rPr lang="en-US"/>
-              <a:t>Copyright 2018, FLL TUTORIALS</a:t>
+              <a:t>Copyright 2023, FLLTutorials.com. Last edit 5/29/2023</a:t>
             </a:r>
             <a:endParaRPr lang="en-US" dirty="0"/>
           </a:p>
@@ -1534,59 +1485,6 @@
       </p:sp>
       <p:sp>
         <p:nvSpPr>
-          <p:cNvPr id="8" name="Date Placeholder 3">
-            <a:extLst>
-              <a:ext uri="{FF2B5EF4-FFF2-40B4-BE49-F238E27FC236}">
-                <a16:creationId xmlns:a16="http://schemas.microsoft.com/office/drawing/2014/main" id="{5E510904-FE82-B349-843E-834D82D5778E}"/>
-              </a:ext>
-            </a:extLst>
-          </p:cNvPr>
-          <p:cNvSpPr>
-            <a:spLocks noGrp="1"/>
-          </p:cNvSpPr>
-          <p:nvPr>
-            <p:ph type="dt" sz="half" idx="10"/>
-          </p:nvPr>
-        </p:nvSpPr>
-        <p:spPr>
-          <a:xfrm>
-            <a:off x="5559327" y="6392242"/>
-            <a:ext cx="2133600" cy="365125"/>
-          </a:xfrm>
-        </p:spPr>
-        <p:txBody>
-          <a:bodyPr/>
-          <a:lstStyle>
-            <a:lvl1pPr>
-              <a:defRPr>
-                <a:solidFill>
-                  <a:schemeClr val="accent1">
-                    <a:lumMod val="75000"/>
-                    <a:lumOff val="25000"/>
-                  </a:schemeClr>
-                </a:solidFill>
-              </a:defRPr>
-            </a:lvl1pPr>
-          </a:lstStyle>
-          <a:p>
-            <a:r>
-              <a:rPr lang="en-US" dirty="0"/>
-              <a:t>Last Edit</a:t>
-            </a:r>
-            <a:r>
-              <a:rPr lang="en-US"/>
-              <a:t>: </a:t>
-            </a:r>
-            <a:fld id="{693A40A6-2CF6-7F47-AF44-EE047E2E2AC3}" type="datetime1">
-              <a:rPr lang="en-US" smtClean="0"/>
-              <a:t>10/27/22</a:t>
-            </a:fld>
-            <a:endParaRPr lang="en-US" dirty="0"/>
-          </a:p>
-        </p:txBody>
-      </p:sp>
-      <p:sp>
-        <p:nvSpPr>
           <p:cNvPr id="9" name="Footer Placeholder 4">
             <a:extLst>
               <a:ext uri="{FF2B5EF4-FFF2-40B4-BE49-F238E27FC236}">
@@ -1604,7 +1502,7 @@
         <p:spPr>
           <a:xfrm>
             <a:off x="581192" y="6387916"/>
-            <a:ext cx="4870585" cy="365125"/>
+            <a:ext cx="5947199" cy="365125"/>
           </a:xfrm>
         </p:spPr>
         <p:txBody>
@@ -1623,9 +1521,10 @@
           </a:lstStyle>
           <a:p>
             <a:r>
-              <a:rPr lang="en-US" dirty="0"/>
-              <a:t>Copyright 2018, FLL TUTORIALS</a:t>
-            </a:r>
+              <a:rPr lang="en-US"/>
+              <a:t>Copyright 2023, FLLTutorials.com. Last edit 5/29/2023</a:t>
+            </a:r>
+            <a:endParaRPr lang="en-US" dirty="0"/>
           </a:p>
         </p:txBody>
       </p:sp>
@@ -2032,7 +1931,7 @@
             <a:fld id="{B61BEF0D-F0BB-DE4B-95CE-6DB70DBA9567}" type="datetimeFigureOut">
               <a:rPr lang="en-US" smtClean="0"/>
               <a:pPr/>
-              <a:t>10/27/22</a:t>
+              <a:t>5/29/23</a:t>
             </a:fld>
             <a:endParaRPr lang="en-US" dirty="0"/>
           </a:p>
@@ -2515,18 +2414,18 @@
       </p:sp>
       <p:sp>
         <p:nvSpPr>
-          <p:cNvPr id="5" name="Date Placeholder 4"/>
-          <p:cNvSpPr>
-            <a:spLocks noGrp="1"/>
-          </p:cNvSpPr>
-          <p:nvPr>
-            <p:ph type="dt" sz="half" idx="10"/>
-          </p:nvPr>
-        </p:nvSpPr>
-        <p:spPr>
-          <a:xfrm>
-            <a:off x="5559327" y="5956136"/>
-            <a:ext cx="2133600" cy="365125"/>
+          <p:cNvPr id="6" name="Footer Placeholder 5"/>
+          <p:cNvSpPr>
+            <a:spLocks noGrp="1"/>
+          </p:cNvSpPr>
+          <p:nvPr>
+            <p:ph type="ftr" sz="quarter" idx="11"/>
+          </p:nvPr>
+        </p:nvSpPr>
+        <p:spPr>
+          <a:xfrm>
+            <a:off x="581192" y="5951810"/>
+            <a:ext cx="4870585" cy="365125"/>
           </a:xfrm>
           <a:prstGeom prst="rect">
             <a:avLst/>
@@ -2536,40 +2435,9 @@
           <a:bodyPr/>
           <a:lstStyle/>
           <a:p>
-            <a:fld id="{795A9690-1D9E-C342-BA9A-A16859AE6575}" type="datetime1">
-              <a:rPr lang="en-US" smtClean="0"/>
-              <a:t>10/27/22</a:t>
-            </a:fld>
-            <a:endParaRPr lang="en-US" dirty="0"/>
-          </a:p>
-        </p:txBody>
-      </p:sp>
-      <p:sp>
-        <p:nvSpPr>
-          <p:cNvPr id="6" name="Footer Placeholder 5"/>
-          <p:cNvSpPr>
-            <a:spLocks noGrp="1"/>
-          </p:cNvSpPr>
-          <p:nvPr>
-            <p:ph type="ftr" sz="quarter" idx="11"/>
-          </p:nvPr>
-        </p:nvSpPr>
-        <p:spPr>
-          <a:xfrm>
-            <a:off x="581192" y="5951810"/>
-            <a:ext cx="4870585" cy="365125"/>
-          </a:xfrm>
-          <a:prstGeom prst="rect">
-            <a:avLst/>
-          </a:prstGeom>
-        </p:spPr>
-        <p:txBody>
-          <a:bodyPr/>
-          <a:lstStyle/>
-          <a:p>
-            <a:r>
-              <a:rPr lang="en-US"/>
-              <a:t>Copyright 2018, FLL TUTORIALS</a:t>
+            <a:r>
+              <a:rPr lang="en-US"/>
+              <a:t>Copyright 2023, FLLTutorials.com. Last edit 5/29/2023</a:t>
             </a:r>
             <a:endParaRPr lang="en-US" dirty="0"/>
           </a:p>
@@ -2965,18 +2833,18 @@
       </p:sp>
       <p:sp>
         <p:nvSpPr>
-          <p:cNvPr id="7" name="Date Placeholder 6"/>
-          <p:cNvSpPr>
-            <a:spLocks noGrp="1"/>
-          </p:cNvSpPr>
-          <p:nvPr>
-            <p:ph type="dt" sz="half" idx="10"/>
-          </p:nvPr>
-        </p:nvSpPr>
-        <p:spPr>
-          <a:xfrm>
-            <a:off x="5559327" y="5956136"/>
-            <a:ext cx="2133600" cy="365125"/>
+          <p:cNvPr id="8" name="Footer Placeholder 7"/>
+          <p:cNvSpPr>
+            <a:spLocks noGrp="1"/>
+          </p:cNvSpPr>
+          <p:nvPr>
+            <p:ph type="ftr" sz="quarter" idx="11"/>
+          </p:nvPr>
+        </p:nvSpPr>
+        <p:spPr>
+          <a:xfrm>
+            <a:off x="581192" y="5951810"/>
+            <a:ext cx="4870585" cy="365125"/>
           </a:xfrm>
           <a:prstGeom prst="rect">
             <a:avLst/>
@@ -2986,40 +2854,9 @@
           <a:bodyPr/>
           <a:lstStyle/>
           <a:p>
-            <a:fld id="{E2986F92-1A65-2C44-B24F-1F893B70EC5D}" type="datetime1">
-              <a:rPr lang="en-US" smtClean="0"/>
-              <a:t>10/27/22</a:t>
-            </a:fld>
-            <a:endParaRPr lang="en-US" dirty="0"/>
-          </a:p>
-        </p:txBody>
-      </p:sp>
-      <p:sp>
-        <p:nvSpPr>
-          <p:cNvPr id="8" name="Footer Placeholder 7"/>
-          <p:cNvSpPr>
-            <a:spLocks noGrp="1"/>
-          </p:cNvSpPr>
-          <p:nvPr>
-            <p:ph type="ftr" sz="quarter" idx="11"/>
-          </p:nvPr>
-        </p:nvSpPr>
-        <p:spPr>
-          <a:xfrm>
-            <a:off x="581192" y="5951810"/>
-            <a:ext cx="4870585" cy="365125"/>
-          </a:xfrm>
-          <a:prstGeom prst="rect">
-            <a:avLst/>
-          </a:prstGeom>
-        </p:spPr>
-        <p:txBody>
-          <a:bodyPr/>
-          <a:lstStyle/>
-          <a:p>
-            <a:r>
-              <a:rPr lang="en-US"/>
-              <a:t>Copyright 2018, FLL TUTORIALS</a:t>
+            <a:r>
+              <a:rPr lang="en-US"/>
+              <a:t>Copyright 2023, FLLTutorials.com. Last edit 5/29/2023</a:t>
             </a:r>
             <a:endParaRPr lang="en-US" dirty="0"/>
           </a:p>
@@ -3151,18 +2988,18 @@
       </p:sp>
       <p:sp>
         <p:nvSpPr>
-          <p:cNvPr id="3" name="Date Placeholder 2"/>
-          <p:cNvSpPr>
-            <a:spLocks noGrp="1"/>
-          </p:cNvSpPr>
-          <p:nvPr>
-            <p:ph type="dt" sz="half" idx="10"/>
-          </p:nvPr>
-        </p:nvSpPr>
-        <p:spPr>
-          <a:xfrm>
-            <a:off x="5559327" y="5956136"/>
-            <a:ext cx="2133600" cy="365125"/>
+          <p:cNvPr id="4" name="Footer Placeholder 3"/>
+          <p:cNvSpPr>
+            <a:spLocks noGrp="1"/>
+          </p:cNvSpPr>
+          <p:nvPr>
+            <p:ph type="ftr" sz="quarter" idx="11"/>
+          </p:nvPr>
+        </p:nvSpPr>
+        <p:spPr>
+          <a:xfrm>
+            <a:off x="581192" y="5951810"/>
+            <a:ext cx="4870585" cy="365125"/>
           </a:xfrm>
           <a:prstGeom prst="rect">
             <a:avLst/>
@@ -3172,40 +3009,9 @@
           <a:bodyPr/>
           <a:lstStyle/>
           <a:p>
-            <a:fld id="{02BD8AC5-6B65-354C-8A65-84445C911156}" type="datetime1">
-              <a:rPr lang="en-US" smtClean="0"/>
-              <a:t>10/27/22</a:t>
-            </a:fld>
-            <a:endParaRPr lang="en-US" dirty="0"/>
-          </a:p>
-        </p:txBody>
-      </p:sp>
-      <p:sp>
-        <p:nvSpPr>
-          <p:cNvPr id="4" name="Footer Placeholder 3"/>
-          <p:cNvSpPr>
-            <a:spLocks noGrp="1"/>
-          </p:cNvSpPr>
-          <p:nvPr>
-            <p:ph type="ftr" sz="quarter" idx="11"/>
-          </p:nvPr>
-        </p:nvSpPr>
-        <p:spPr>
-          <a:xfrm>
-            <a:off x="581192" y="5951810"/>
-            <a:ext cx="4870585" cy="365125"/>
-          </a:xfrm>
-          <a:prstGeom prst="rect">
-            <a:avLst/>
-          </a:prstGeom>
-        </p:spPr>
-        <p:txBody>
-          <a:bodyPr/>
-          <a:lstStyle/>
-          <a:p>
-            <a:r>
-              <a:rPr lang="en-US"/>
-              <a:t>Copyright 2018, FLL TUTORIALS</a:t>
+            <a:r>
+              <a:rPr lang="en-US"/>
+              <a:t>Copyright 2023, FLLTutorials.com. Last edit 5/29/2023</a:t>
             </a:r>
             <a:endParaRPr lang="en-US" dirty="0"/>
           </a:p>
@@ -3296,9 +3102,9 @@
           <a:bodyPr/>
           <a:lstStyle/>
           <a:p>
-            <a:fld id="{6C455870-DCDA-B149-8620-D9BBE8FABA2F}" type="datetime1">
+            <a:fld id="{F99F6D68-30EB-564C-A2C0-D6CAA25C8CB8}" type="datetime1">
               <a:rPr lang="en-US" smtClean="0"/>
-              <a:t>10/27/22</a:t>
+              <a:t>5/29/23</a:t>
             </a:fld>
             <a:endParaRPr lang="en-US" dirty="0"/>
           </a:p>
@@ -3329,7 +3135,7 @@
           <a:p>
             <a:r>
               <a:rPr lang="en-US"/>
-              <a:t>Copyright 2018, FLL TUTORIALS</a:t>
+              <a:t>Copyright 2023, FLLTutorials.com. Last edit 5/29/2023</a:t>
             </a:r>
             <a:endParaRPr lang="en-US" dirty="0"/>
           </a:p>
@@ -3703,9 +3509,9 @@
             </a:lvl1pPr>
           </a:lstStyle>
           <a:p>
-            <a:fld id="{359BF4A9-F469-FE4C-84D7-0B7B477B19A0}" type="datetime1">
+            <a:fld id="{0C84C1A8-E1F9-3A4A-8D84-0322C18EA242}" type="datetime1">
               <a:rPr lang="en-US" smtClean="0"/>
-              <a:t>10/27/22</a:t>
+              <a:t>5/29/23</a:t>
             </a:fld>
             <a:endParaRPr lang="en-US" dirty="0"/>
           </a:p>
@@ -3747,7 +3553,7 @@
           <a:p>
             <a:r>
               <a:rPr lang="en-US"/>
-              <a:t>Copyright 2018, FLL TUTORIALS</a:t>
+              <a:t>Copyright 2023, FLLTutorials.com. Last edit 5/29/2023</a:t>
             </a:r>
             <a:endParaRPr lang="en-US" dirty="0"/>
           </a:p>
@@ -4021,9 +3827,9 @@
           <a:bodyPr/>
           <a:lstStyle/>
           <a:p>
-            <a:fld id="{CB6821B0-B58A-AA4E-9035-C0238677AA81}" type="datetime1">
+            <a:fld id="{D90BA64A-FE91-ED42-B8A5-3703F52A147D}" type="datetime1">
               <a:rPr lang="en-US" smtClean="0"/>
-              <a:t>10/27/22</a:t>
+              <a:t>5/29/23</a:t>
             </a:fld>
             <a:endParaRPr lang="en-US" dirty="0"/>
           </a:p>
@@ -4054,7 +3860,7 @@
           <a:p>
             <a:r>
               <a:rPr lang="en-US"/>
-              <a:t>Copyright 2018, FLL TUTORIALS</a:t>
+              <a:t>Copyright 2023, FLLTutorials.com. Last edit 5/29/2023</a:t>
             </a:r>
             <a:endParaRPr lang="en-US" dirty="0"/>
           </a:p>
@@ -4335,62 +4141,6 @@
       </p:sp>
       <p:sp>
         <p:nvSpPr>
-          <p:cNvPr id="12" name="Date Placeholder 3">
-            <a:extLst>
-              <a:ext uri="{FF2B5EF4-FFF2-40B4-BE49-F238E27FC236}">
-                <a16:creationId xmlns:a16="http://schemas.microsoft.com/office/drawing/2014/main" id="{0AAE8D72-8133-BD4C-9ABB-B6CCBBAC2CA1}"/>
-              </a:ext>
-            </a:extLst>
-          </p:cNvPr>
-          <p:cNvSpPr>
-            <a:spLocks noGrp="1"/>
-          </p:cNvSpPr>
-          <p:nvPr>
-            <p:ph type="dt" sz="half" idx="2"/>
-          </p:nvPr>
-        </p:nvSpPr>
-        <p:spPr>
-          <a:xfrm>
-            <a:off x="5559327" y="6392242"/>
-            <a:ext cx="2133600" cy="365125"/>
-          </a:xfrm>
-          <a:prstGeom prst="rect">
-            <a:avLst/>
-          </a:prstGeom>
-        </p:spPr>
-        <p:txBody>
-          <a:bodyPr/>
-          <a:lstStyle>
-            <a:lvl1pPr>
-              <a:defRPr>
-                <a:solidFill>
-                  <a:schemeClr val="accent1">
-                    <a:lumMod val="75000"/>
-                    <a:lumOff val="25000"/>
-                  </a:schemeClr>
-                </a:solidFill>
-              </a:defRPr>
-            </a:lvl1pPr>
-          </a:lstStyle>
-          <a:p>
-            <a:r>
-              <a:rPr lang="en-US" dirty="0"/>
-              <a:t>Last Edit</a:t>
-            </a:r>
-            <a:r>
-              <a:rPr lang="en-US"/>
-              <a:t>: </a:t>
-            </a:r>
-            <a:fld id="{73CE5DB4-E529-2C42-91FA-B12AA950A0A2}" type="datetime1">
-              <a:rPr lang="en-US" smtClean="0"/>
-              <a:t>10/27/22</a:t>
-            </a:fld>
-            <a:endParaRPr lang="en-US" dirty="0"/>
-          </a:p>
-        </p:txBody>
-      </p:sp>
-      <p:sp>
-        <p:nvSpPr>
           <p:cNvPr id="13" name="Footer Placeholder 4">
             <a:extLst>
               <a:ext uri="{FF2B5EF4-FFF2-40B4-BE49-F238E27FC236}">
@@ -4430,9 +4180,10 @@
           </a:lstStyle>
           <a:p>
             <a:r>
-              <a:rPr lang="en-US" dirty="0"/>
-              <a:t>Copyright 2018, FLL TUTORIALS</a:t>
-            </a:r>
+              <a:rPr lang="en-US"/>
+              <a:t>Copyright 2023, FLLTutorials.com. Last edit 5/29/2023</a:t>
+            </a:r>
+            <a:endParaRPr lang="en-US" dirty="0"/>
           </a:p>
         </p:txBody>
       </p:sp>
@@ -5074,39 +4825,6 @@
       </p:sp>
       <p:sp>
         <p:nvSpPr>
-          <p:cNvPr id="4" name="Date Placeholder 3">
-            <a:extLst>
-              <a:ext uri="{FF2B5EF4-FFF2-40B4-BE49-F238E27FC236}">
-                <a16:creationId xmlns:a16="http://schemas.microsoft.com/office/drawing/2014/main" id="{F65C6760-A8C8-6440-8EEA-724966A6F0BD}"/>
-              </a:ext>
-            </a:extLst>
-          </p:cNvPr>
-          <p:cNvSpPr>
-            <a:spLocks noGrp="1"/>
-          </p:cNvSpPr>
-          <p:nvPr>
-            <p:ph type="dt" sz="half" idx="10"/>
-          </p:nvPr>
-        </p:nvSpPr>
-        <p:spPr/>
-        <p:txBody>
-          <a:bodyPr/>
-          <a:lstStyle/>
-          <a:p>
-            <a:r>
-              <a:rPr lang="en-US"/>
-              <a:t>Last Edit: </a:t>
-            </a:r>
-            <a:fld id="{693A40A6-2CF6-7F47-AF44-EE047E2E2AC3}" type="datetime1">
-              <a:rPr lang="en-US" smtClean="0"/>
-              <a:t>10/27/22</a:t>
-            </a:fld>
-            <a:endParaRPr lang="en-US" dirty="0"/>
-          </a:p>
-        </p:txBody>
-      </p:sp>
-      <p:sp>
-        <p:nvSpPr>
           <p:cNvPr id="5" name="Footer Placeholder 4">
             <a:extLst>
               <a:ext uri="{FF2B5EF4-FFF2-40B4-BE49-F238E27FC236}">
@@ -5128,7 +4846,7 @@
           <a:p>
             <a:r>
               <a:rPr lang="en-US"/>
-              <a:t>Copyright 2018, FLL TUTORIALS</a:t>
+              <a:t>Copyright 2023, FLLTutorials.com. Last edit 5/29/2023</a:t>
             </a:r>
             <a:endParaRPr lang="en-US" dirty="0"/>
           </a:p>
@@ -5279,7 +4997,12 @@
             <p:ph type="title"/>
           </p:nvPr>
         </p:nvSpPr>
-        <p:spPr/>
+        <p:spPr>
+          <a:xfrm>
+            <a:off x="581192" y="687475"/>
+            <a:ext cx="7989752" cy="596796"/>
+          </a:xfrm>
+        </p:spPr>
         <p:txBody>
           <a:bodyPr/>
           <a:lstStyle/>
@@ -5320,30 +5043,113 @@
           <a:lstStyle/>
           <a:p>
             <a:r>
-              <a:rPr lang="en-US" sz="2400" dirty="0"/>
+              <a:rPr lang="en-US" dirty="0"/>
+              <a:t>Documentation is an important aspect of </a:t>
+            </a:r>
+            <a:r>
+              <a:rPr lang="en-US" i="1" dirty="0"/>
+              <a:t>FIRST</a:t>
+            </a:r>
+            <a:r>
+              <a:rPr lang="en-US" dirty="0"/>
+              <a:t> LEGO League and something you can share during judging</a:t>
+            </a:r>
+          </a:p>
+          <a:p>
+            <a:r>
+              <a:rPr lang="en-US" dirty="0"/>
               <a:t>The Engineering Notebook is a way to record your team’s journey through your season of FIRST LEGO League. </a:t>
             </a:r>
           </a:p>
           <a:p>
             <a:pPr lvl="1"/>
             <a:r>
-              <a:rPr lang="en-US" sz="2000" dirty="0"/>
+              <a:rPr lang="en-US" dirty="0"/>
               <a:t>Record the process of designing and building the robot</a:t>
             </a:r>
           </a:p>
           <a:p>
             <a:pPr lvl="1"/>
             <a:r>
-              <a:rPr lang="en-US" sz="2000" dirty="0"/>
+              <a:rPr lang="en-US" dirty="0"/>
               <a:t>Record your research, fieldtrips and interviews, and testing your solution</a:t>
             </a:r>
           </a:p>
           <a:p>
             <a:pPr lvl="1"/>
             <a:r>
-              <a:rPr lang="en-US" sz="2000" dirty="0"/>
+              <a:rPr lang="en-US" dirty="0"/>
               <a:t>Record your outreach events, what you do during team meetings, and your even your future ideas</a:t>
             </a:r>
+          </a:p>
+        </p:txBody>
+      </p:sp>
+      <p:sp>
+        <p:nvSpPr>
+          <p:cNvPr id="6" name="Footer Placeholder 5">
+            <a:extLst>
+              <a:ext uri="{FF2B5EF4-FFF2-40B4-BE49-F238E27FC236}">
+                <a16:creationId xmlns:a16="http://schemas.microsoft.com/office/drawing/2014/main" id="{B9833F8E-3ED5-F34B-88C8-D557C474978C}"/>
+              </a:ext>
+            </a:extLst>
+          </p:cNvPr>
+          <p:cNvSpPr>
+            <a:spLocks noGrp="1"/>
+          </p:cNvSpPr>
+          <p:nvPr>
+            <p:ph type="ftr" sz="quarter" idx="11"/>
+          </p:nvPr>
+        </p:nvSpPr>
+        <p:spPr>
+          <a:xfrm>
+            <a:off x="581192" y="6387916"/>
+            <a:ext cx="5947199" cy="365125"/>
+          </a:xfrm>
+        </p:spPr>
+        <p:txBody>
+          <a:bodyPr/>
+          <a:lstStyle/>
+          <a:p>
+            <a:r>
+              <a:rPr lang="en-US"/>
+              <a:t>Copyright 2023, FLLTutorials.com. Last edit 5/29/2023</a:t>
+            </a:r>
+            <a:endParaRPr lang="en-US" dirty="0"/>
+          </a:p>
+        </p:txBody>
+      </p:sp>
+      <p:sp>
+        <p:nvSpPr>
+          <p:cNvPr id="7" name="Slide Number Placeholder 6">
+            <a:extLst>
+              <a:ext uri="{FF2B5EF4-FFF2-40B4-BE49-F238E27FC236}">
+                <a16:creationId xmlns:a16="http://schemas.microsoft.com/office/drawing/2014/main" id="{13A2A7E8-4669-6643-A8F6-F6FC9137EDB8}"/>
+              </a:ext>
+            </a:extLst>
+          </p:cNvPr>
+          <p:cNvSpPr>
+            <a:spLocks noGrp="1"/>
+          </p:cNvSpPr>
+          <p:nvPr>
+            <p:ph type="sldNum" sz="quarter" idx="12"/>
+          </p:nvPr>
+        </p:nvSpPr>
+        <p:spPr>
+          <a:xfrm>
+            <a:off x="7800476" y="6392242"/>
+            <a:ext cx="770468" cy="365125"/>
+          </a:xfrm>
+        </p:spPr>
+        <p:txBody>
+          <a:bodyPr/>
+          <a:lstStyle/>
+          <a:p>
+            <a:fld id="{D57F1E4F-1CFF-5643-939E-217C01CDF565}" type="slidenum">
+              <a:rPr lang="en-US" smtClean="0"/>
+              <a:pPr/>
+              <a:t>2</a:t>
+            </a:fld>
+            <a:endParaRPr lang="en-US" dirty="0"/>
           </a:p>
         </p:txBody>
       </p:sp>
@@ -5389,98 +5195,6 @@
       </p:sp>
       <p:sp>
         <p:nvSpPr>
-          <p:cNvPr id="5" name="Date Placeholder 4">
-            <a:extLst>
-              <a:ext uri="{FF2B5EF4-FFF2-40B4-BE49-F238E27FC236}">
-                <a16:creationId xmlns:a16="http://schemas.microsoft.com/office/drawing/2014/main" id="{3493F192-11F0-4B4D-B4D0-8228FBE5F087}"/>
-              </a:ext>
-            </a:extLst>
-          </p:cNvPr>
-          <p:cNvSpPr>
-            <a:spLocks noGrp="1"/>
-          </p:cNvSpPr>
-          <p:nvPr>
-            <p:ph type="dt" sz="half" idx="10"/>
-          </p:nvPr>
-        </p:nvSpPr>
-        <p:spPr/>
-        <p:txBody>
-          <a:bodyPr/>
-          <a:lstStyle/>
-          <a:p>
-            <a:r>
-              <a:rPr lang="en-US"/>
-              <a:t>Last Edit: </a:t>
-            </a:r>
-            <a:fld id="{CAF4CEF0-D3DA-E047-83E5-26DFF1BB7D79}" type="datetime1">
-              <a:rPr lang="en-US" smtClean="0"/>
-              <a:t>10/27/22</a:t>
-            </a:fld>
-            <a:endParaRPr lang="en-US" dirty="0"/>
-          </a:p>
-        </p:txBody>
-      </p:sp>
-      <p:sp>
-        <p:nvSpPr>
-          <p:cNvPr id="6" name="Footer Placeholder 5">
-            <a:extLst>
-              <a:ext uri="{FF2B5EF4-FFF2-40B4-BE49-F238E27FC236}">
-                <a16:creationId xmlns:a16="http://schemas.microsoft.com/office/drawing/2014/main" id="{B9833F8E-3ED5-F34B-88C8-D557C474978C}"/>
-              </a:ext>
-            </a:extLst>
-          </p:cNvPr>
-          <p:cNvSpPr>
-            <a:spLocks noGrp="1"/>
-          </p:cNvSpPr>
-          <p:nvPr>
-            <p:ph type="ftr" sz="quarter" idx="11"/>
-          </p:nvPr>
-        </p:nvSpPr>
-        <p:spPr/>
-        <p:txBody>
-          <a:bodyPr/>
-          <a:lstStyle/>
-          <a:p>
-            <a:r>
-              <a:rPr lang="en-US"/>
-              <a:t>Copyright 2018, FLL TUTORIALS</a:t>
-            </a:r>
-            <a:endParaRPr lang="en-US" dirty="0"/>
-          </a:p>
-        </p:txBody>
-      </p:sp>
-      <p:sp>
-        <p:nvSpPr>
-          <p:cNvPr id="7" name="Slide Number Placeholder 6">
-            <a:extLst>
-              <a:ext uri="{FF2B5EF4-FFF2-40B4-BE49-F238E27FC236}">
-                <a16:creationId xmlns:a16="http://schemas.microsoft.com/office/drawing/2014/main" id="{13A2A7E8-4669-6643-A8F6-F6FC9137EDB8}"/>
-              </a:ext>
-            </a:extLst>
-          </p:cNvPr>
-          <p:cNvSpPr>
-            <a:spLocks noGrp="1"/>
-          </p:cNvSpPr>
-          <p:nvPr>
-            <p:ph type="sldNum" sz="quarter" idx="12"/>
-          </p:nvPr>
-        </p:nvSpPr>
-        <p:spPr/>
-        <p:txBody>
-          <a:bodyPr/>
-          <a:lstStyle/>
-          <a:p>
-            <a:fld id="{D57F1E4F-1CFF-5643-939E-217C01CDF565}" type="slidenum">
-              <a:rPr lang="en-US" smtClean="0"/>
-              <a:pPr/>
-              <a:t>2</a:t>
-            </a:fld>
-            <a:endParaRPr lang="en-US" dirty="0"/>
-          </a:p>
-        </p:txBody>
-      </p:sp>
-      <p:sp>
-        <p:nvSpPr>
           <p:cNvPr id="8" name="TextBox 7">
             <a:extLst>
               <a:ext uri="{FF2B5EF4-FFF2-40B4-BE49-F238E27FC236}">
@@ -5494,7 +5208,7 @@
         <p:spPr>
           <a:xfrm>
             <a:off x="581192" y="5157216"/>
-            <a:ext cx="7697176" cy="646331"/>
+            <a:ext cx="7697176" cy="923330"/>
           </a:xfrm>
           <a:prstGeom prst="rect">
             <a:avLst/>
@@ -5513,12 +5227,9 @@
                   <a:srgbClr val="FF0000"/>
                 </a:solidFill>
               </a:rPr>
-              <a:t>FLL Tutorials has provided some pages from actual Engineering Journals in FIRST LEGO League and also provided some blank templates for your team to use</a:t>
-            </a:r>
-            <a:r>
-              <a:rPr lang="en-US" dirty="0"/>
-              <a:t>.</a:t>
-            </a:r>
+              <a:t>FLL Tutorials has provided some pages from actual Engineering Journals in FIRST LEGO League and also provided some blank templates for your team to use (see Worksheets section of Resources)</a:t>
+            </a:r>
+            <a:endParaRPr lang="en-US" dirty="0"/>
           </a:p>
         </p:txBody>
       </p:sp>
@@ -5568,7 +5279,12 @@
             <p:ph type="title"/>
           </p:nvPr>
         </p:nvSpPr>
-        <p:spPr/>
+        <p:spPr>
+          <a:xfrm>
+            <a:off x="581192" y="687475"/>
+            <a:ext cx="7989752" cy="596796"/>
+          </a:xfrm>
+        </p:spPr>
         <p:txBody>
           <a:bodyPr/>
           <a:lstStyle/>
@@ -5596,98 +5312,70 @@
             <p:ph idx="1"/>
           </p:nvPr>
         </p:nvSpPr>
-        <p:spPr/>
+        <p:spPr>
+          <a:xfrm>
+            <a:off x="448091" y="1505583"/>
+            <a:ext cx="8238707" cy="4353215"/>
+          </a:xfrm>
+        </p:spPr>
         <p:txBody>
           <a:bodyPr anchor="t">
-            <a:normAutofit lnSpcReduction="10000"/>
+            <a:normAutofit/>
           </a:bodyPr>
           <a:lstStyle/>
           <a:p>
             <a:r>
-              <a:rPr lang="en-US" sz="2400" dirty="0"/>
+              <a:rPr lang="en-US" dirty="0"/>
               <a:t>Photographs and drawings</a:t>
             </a:r>
           </a:p>
           <a:p>
             <a:r>
-              <a:rPr lang="en-US" sz="2400" dirty="0"/>
+              <a:rPr lang="en-US" dirty="0"/>
               <a:t>LDD CAD drawings of your robot</a:t>
             </a:r>
           </a:p>
           <a:p>
             <a:r>
-              <a:rPr lang="en-US" sz="2400" dirty="0"/>
+              <a:rPr lang="en-US" dirty="0"/>
               <a:t>Plans for the season and tasks to complete</a:t>
             </a:r>
           </a:p>
           <a:p>
             <a:r>
-              <a:rPr lang="en-US" sz="2400" dirty="0"/>
+              <a:rPr lang="en-US" dirty="0"/>
               <a:t>Discussions &amp; decisions during team meetings</a:t>
             </a:r>
           </a:p>
           <a:p>
             <a:r>
-              <a:rPr lang="en-US" sz="2400" dirty="0"/>
+              <a:rPr lang="en-US" dirty="0"/>
               <a:t>Robot and attachment designs ideas and tests</a:t>
             </a:r>
           </a:p>
           <a:p>
             <a:r>
-              <a:rPr lang="en-US" sz="2400" dirty="0"/>
+              <a:rPr lang="en-US" dirty="0"/>
               <a:t>Code printouts and pseudocode</a:t>
             </a:r>
           </a:p>
           <a:p>
             <a:r>
-              <a:rPr lang="en-US" sz="2400" dirty="0"/>
+              <a:rPr lang="en-US" dirty="0"/>
               <a:t>Problems you faced</a:t>
             </a:r>
           </a:p>
           <a:p>
             <a:r>
-              <a:rPr lang="en-US" sz="2400" dirty="0"/>
+              <a:rPr lang="en-US" dirty="0"/>
               <a:t>Improvements you made</a:t>
             </a:r>
           </a:p>
           <a:p>
             <a:r>
-              <a:rPr lang="en-US" sz="2400" dirty="0"/>
+              <a:rPr lang="en-US" dirty="0"/>
               <a:t>Ideas you have</a:t>
             </a:r>
-          </a:p>
-        </p:txBody>
-      </p:sp>
-      <p:sp>
-        <p:nvSpPr>
-          <p:cNvPr id="4" name="Date Placeholder 3">
-            <a:extLst>
-              <a:ext uri="{FF2B5EF4-FFF2-40B4-BE49-F238E27FC236}">
-                <a16:creationId xmlns:a16="http://schemas.microsoft.com/office/drawing/2014/main" id="{FD8D4607-399D-6540-804E-3909FDB05C77}"/>
-              </a:ext>
-            </a:extLst>
-          </p:cNvPr>
-          <p:cNvSpPr>
-            <a:spLocks noGrp="1"/>
-          </p:cNvSpPr>
-          <p:nvPr>
-            <p:ph type="dt" sz="half" idx="10"/>
-          </p:nvPr>
-        </p:nvSpPr>
-        <p:spPr/>
-        <p:txBody>
-          <a:bodyPr/>
-          <a:lstStyle/>
-          <a:p>
-            <a:r>
-              <a:rPr lang="en-US"/>
-              <a:t>Last Edit: </a:t>
-            </a:r>
-            <a:fld id="{2C875CD1-A79C-204A-B23C-B555B0EC76AE}" type="datetime1">
-              <a:rPr lang="en-US" smtClean="0"/>
-              <a:t>10/27/22</a:t>
-            </a:fld>
-            <a:endParaRPr lang="en-US" dirty="0"/>
           </a:p>
         </p:txBody>
       </p:sp>
@@ -5707,14 +5395,19 @@
             <p:ph type="ftr" sz="quarter" idx="11"/>
           </p:nvPr>
         </p:nvSpPr>
-        <p:spPr/>
+        <p:spPr>
+          <a:xfrm>
+            <a:off x="581192" y="6387916"/>
+            <a:ext cx="5947199" cy="365125"/>
+          </a:xfrm>
+        </p:spPr>
         <p:txBody>
           <a:bodyPr/>
           <a:lstStyle/>
           <a:p>
             <a:r>
               <a:rPr lang="en-US"/>
-              <a:t>Copyright 2018, FLL TUTORIALS</a:t>
+              <a:t>Copyright 2023, FLLTutorials.com. Last edit 5/29/2023</a:t>
             </a:r>
             <a:endParaRPr lang="en-US" dirty="0"/>
           </a:p>
@@ -5736,7 +5429,12 @@
             <p:ph type="sldNum" sz="quarter" idx="12"/>
           </p:nvPr>
         </p:nvSpPr>
-        <p:spPr/>
+        <p:spPr>
+          <a:xfrm>
+            <a:off x="7800476" y="6392242"/>
+            <a:ext cx="770468" cy="365125"/>
+          </a:xfrm>
+        </p:spPr>
         <p:txBody>
           <a:bodyPr/>
           <a:lstStyle/>
@@ -5796,7 +5494,12 @@
             <p:ph type="title"/>
           </p:nvPr>
         </p:nvSpPr>
-        <p:spPr/>
+        <p:spPr>
+          <a:xfrm>
+            <a:off x="581192" y="687475"/>
+            <a:ext cx="7989752" cy="596796"/>
+          </a:xfrm>
+        </p:spPr>
         <p:txBody>
           <a:bodyPr/>
           <a:lstStyle/>
@@ -5824,7 +5527,12 @@
             <p:ph idx="1"/>
           </p:nvPr>
         </p:nvSpPr>
-        <p:spPr/>
+        <p:spPr>
+          <a:xfrm>
+            <a:off x="448091" y="1505583"/>
+            <a:ext cx="8238707" cy="4353215"/>
+          </a:xfrm>
+        </p:spPr>
         <p:txBody>
           <a:bodyPr>
             <a:normAutofit/>
@@ -5832,43 +5540,43 @@
           <a:lstStyle/>
           <a:p>
             <a:r>
-              <a:rPr lang="en-US" sz="2400" dirty="0"/>
+              <a:rPr lang="en-US" dirty="0"/>
               <a:t>What is the goal for today’s meeting? </a:t>
             </a:r>
           </a:p>
           <a:p>
             <a:r>
-              <a:rPr lang="en-US" sz="2400" dirty="0"/>
+              <a:rPr lang="en-US" dirty="0"/>
               <a:t>What decisions were made today?</a:t>
             </a:r>
           </a:p>
           <a:p>
             <a:r>
-              <a:rPr lang="en-US" sz="2400" dirty="0"/>
+              <a:rPr lang="en-US" dirty="0"/>
               <a:t>Why did you make that choice?</a:t>
             </a:r>
           </a:p>
           <a:p>
             <a:r>
-              <a:rPr lang="en-US" sz="2400" dirty="0"/>
+              <a:rPr lang="en-US" dirty="0"/>
               <a:t>What did you try today?</a:t>
             </a:r>
           </a:p>
           <a:p>
             <a:r>
-              <a:rPr lang="en-US" sz="2400" dirty="0"/>
+              <a:rPr lang="en-US" dirty="0"/>
               <a:t>What worked, what did not work?</a:t>
             </a:r>
           </a:p>
           <a:p>
             <a:r>
-              <a:rPr lang="en-US" sz="2400" dirty="0"/>
+              <a:rPr lang="en-US" dirty="0"/>
               <a:t>When something didn’t work, how did you solve the problem?</a:t>
             </a:r>
           </a:p>
           <a:p>
             <a:r>
-              <a:rPr lang="en-US" sz="2400" dirty="0"/>
+              <a:rPr lang="en-US" dirty="0"/>
               <a:t>What modifications are you planning on making next time? What are your next steps? </a:t>
             </a:r>
           </a:p>
@@ -5890,14 +5598,19 @@
             <p:ph type="ftr" sz="quarter" idx="11"/>
           </p:nvPr>
         </p:nvSpPr>
-        <p:spPr/>
+        <p:spPr>
+          <a:xfrm>
+            <a:off x="581192" y="6387916"/>
+            <a:ext cx="5947199" cy="365125"/>
+          </a:xfrm>
+        </p:spPr>
         <p:txBody>
           <a:bodyPr/>
           <a:lstStyle/>
           <a:p>
             <a:r>
               <a:rPr lang="en-US"/>
-              <a:t>Copyright 2018, FLL TUTORIALS</a:t>
+              <a:t>Copyright 2023, FLLTutorials.com. Last edit 5/29/2023</a:t>
             </a:r>
             <a:endParaRPr lang="en-US" dirty="0"/>
           </a:p>
@@ -5919,7 +5632,12 @@
             <p:ph type="sldNum" sz="quarter" idx="12"/>
           </p:nvPr>
         </p:nvSpPr>
-        <p:spPr/>
+        <p:spPr>
+          <a:xfrm>
+            <a:off x="7800476" y="6392242"/>
+            <a:ext cx="770468" cy="365125"/>
+          </a:xfrm>
+        </p:spPr>
         <p:txBody>
           <a:bodyPr/>
           <a:lstStyle/>
@@ -5993,39 +5711,6 @@
       </p:sp>
       <p:sp>
         <p:nvSpPr>
-          <p:cNvPr id="4" name="Date Placeholder 3">
-            <a:extLst>
-              <a:ext uri="{FF2B5EF4-FFF2-40B4-BE49-F238E27FC236}">
-                <a16:creationId xmlns:a16="http://schemas.microsoft.com/office/drawing/2014/main" id="{02A525EF-3A73-604C-996F-161B93A77BF5}"/>
-              </a:ext>
-            </a:extLst>
-          </p:cNvPr>
-          <p:cNvSpPr>
-            <a:spLocks noGrp="1"/>
-          </p:cNvSpPr>
-          <p:nvPr>
-            <p:ph type="dt" sz="half" idx="10"/>
-          </p:nvPr>
-        </p:nvSpPr>
-        <p:spPr/>
-        <p:txBody>
-          <a:bodyPr/>
-          <a:lstStyle/>
-          <a:p>
-            <a:r>
-              <a:rPr lang="en-US"/>
-              <a:t>Last Edit: </a:t>
-            </a:r>
-            <a:fld id="{693A40A6-2CF6-7F47-AF44-EE047E2E2AC3}" type="datetime1">
-              <a:rPr lang="en-US" smtClean="0"/>
-              <a:t>10/27/22</a:t>
-            </a:fld>
-            <a:endParaRPr lang="en-US" dirty="0"/>
-          </a:p>
-        </p:txBody>
-      </p:sp>
-      <p:sp>
-        <p:nvSpPr>
           <p:cNvPr id="5" name="Footer Placeholder 4">
             <a:extLst>
               <a:ext uri="{FF2B5EF4-FFF2-40B4-BE49-F238E27FC236}">
@@ -6047,7 +5732,7 @@
           <a:p>
             <a:r>
               <a:rPr lang="en-US"/>
-              <a:t>Copyright 2018, FLL TUTORIALS</a:t>
+              <a:t>Copyright 2023, FLLTutorials.com. Last edit 5/29/2023</a:t>
             </a:r>
             <a:endParaRPr lang="en-US" dirty="0"/>
           </a:p>
@@ -6271,39 +5956,6 @@
       </p:sp>
       <p:sp>
         <p:nvSpPr>
-          <p:cNvPr id="4" name="Date Placeholder 3">
-            <a:extLst>
-              <a:ext uri="{FF2B5EF4-FFF2-40B4-BE49-F238E27FC236}">
-                <a16:creationId xmlns:a16="http://schemas.microsoft.com/office/drawing/2014/main" id="{02A525EF-3A73-604C-996F-161B93A77BF5}"/>
-              </a:ext>
-            </a:extLst>
-          </p:cNvPr>
-          <p:cNvSpPr>
-            <a:spLocks noGrp="1"/>
-          </p:cNvSpPr>
-          <p:nvPr>
-            <p:ph type="dt" sz="half" idx="10"/>
-          </p:nvPr>
-        </p:nvSpPr>
-        <p:spPr/>
-        <p:txBody>
-          <a:bodyPr/>
-          <a:lstStyle/>
-          <a:p>
-            <a:r>
-              <a:rPr lang="en-US"/>
-              <a:t>Last Edit: </a:t>
-            </a:r>
-            <a:fld id="{693A40A6-2CF6-7F47-AF44-EE047E2E2AC3}" type="datetime1">
-              <a:rPr lang="en-US" smtClean="0"/>
-              <a:t>10/27/22</a:t>
-            </a:fld>
-            <a:endParaRPr lang="en-US" dirty="0"/>
-          </a:p>
-        </p:txBody>
-      </p:sp>
-      <p:sp>
-        <p:nvSpPr>
           <p:cNvPr id="5" name="Footer Placeholder 4">
             <a:extLst>
               <a:ext uri="{FF2B5EF4-FFF2-40B4-BE49-F238E27FC236}">
@@ -6325,7 +5977,7 @@
           <a:p>
             <a:r>
               <a:rPr lang="en-US"/>
-              <a:t>Copyright 2018, FLL TUTORIALS</a:t>
+              <a:t>Copyright 2023, FLLTutorials.com. Last edit 5/29/2023</a:t>
             </a:r>
             <a:endParaRPr lang="en-US" dirty="0"/>
           </a:p>
@@ -6499,39 +6151,6 @@
       </p:sp>
       <p:sp>
         <p:nvSpPr>
-          <p:cNvPr id="4" name="Date Placeholder 3">
-            <a:extLst>
-              <a:ext uri="{FF2B5EF4-FFF2-40B4-BE49-F238E27FC236}">
-                <a16:creationId xmlns:a16="http://schemas.microsoft.com/office/drawing/2014/main" id="{02A525EF-3A73-604C-996F-161B93A77BF5}"/>
-              </a:ext>
-            </a:extLst>
-          </p:cNvPr>
-          <p:cNvSpPr>
-            <a:spLocks noGrp="1"/>
-          </p:cNvSpPr>
-          <p:nvPr>
-            <p:ph type="dt" sz="half" idx="10"/>
-          </p:nvPr>
-        </p:nvSpPr>
-        <p:spPr/>
-        <p:txBody>
-          <a:bodyPr/>
-          <a:lstStyle/>
-          <a:p>
-            <a:r>
-              <a:rPr lang="en-US"/>
-              <a:t>Last Edit: </a:t>
-            </a:r>
-            <a:fld id="{693A40A6-2CF6-7F47-AF44-EE047E2E2AC3}" type="datetime1">
-              <a:rPr lang="en-US" smtClean="0"/>
-              <a:t>10/27/22</a:t>
-            </a:fld>
-            <a:endParaRPr lang="en-US" dirty="0"/>
-          </a:p>
-        </p:txBody>
-      </p:sp>
-      <p:sp>
-        <p:nvSpPr>
           <p:cNvPr id="5" name="Footer Placeholder 4">
             <a:extLst>
               <a:ext uri="{FF2B5EF4-FFF2-40B4-BE49-F238E27FC236}">
@@ -6553,7 +6172,7 @@
           <a:p>
             <a:r>
               <a:rPr lang="en-US"/>
-              <a:t>Copyright 2018, FLL TUTORIALS</a:t>
+              <a:t>Copyright 2023, FLLTutorials.com. Last edit 5/29/2023</a:t>
             </a:r>
             <a:endParaRPr lang="en-US" dirty="0"/>
           </a:p>
@@ -6721,39 +6340,6 @@
       </p:sp>
       <p:sp>
         <p:nvSpPr>
-          <p:cNvPr id="4" name="Date Placeholder 3">
-            <a:extLst>
-              <a:ext uri="{FF2B5EF4-FFF2-40B4-BE49-F238E27FC236}">
-                <a16:creationId xmlns:a16="http://schemas.microsoft.com/office/drawing/2014/main" id="{02A525EF-3A73-604C-996F-161B93A77BF5}"/>
-              </a:ext>
-            </a:extLst>
-          </p:cNvPr>
-          <p:cNvSpPr>
-            <a:spLocks noGrp="1"/>
-          </p:cNvSpPr>
-          <p:nvPr>
-            <p:ph type="dt" sz="half" idx="10"/>
-          </p:nvPr>
-        </p:nvSpPr>
-        <p:spPr/>
-        <p:txBody>
-          <a:bodyPr/>
-          <a:lstStyle/>
-          <a:p>
-            <a:r>
-              <a:rPr lang="en-US"/>
-              <a:t>Last Edit: </a:t>
-            </a:r>
-            <a:fld id="{693A40A6-2CF6-7F47-AF44-EE047E2E2AC3}" type="datetime1">
-              <a:rPr lang="en-US" smtClean="0"/>
-              <a:t>10/27/22</a:t>
-            </a:fld>
-            <a:endParaRPr lang="en-US" dirty="0"/>
-          </a:p>
-        </p:txBody>
-      </p:sp>
-      <p:sp>
-        <p:nvSpPr>
           <p:cNvPr id="5" name="Footer Placeholder 4">
             <a:extLst>
               <a:ext uri="{FF2B5EF4-FFF2-40B4-BE49-F238E27FC236}">
@@ -6775,7 +6361,7 @@
           <a:p>
             <a:r>
               <a:rPr lang="en-US"/>
-              <a:t>Copyright 2018, FLL TUTORIALS</a:t>
+              <a:t>Copyright 2023, FLLTutorials.com. Last edit 5/29/2023</a:t>
             </a:r>
             <a:endParaRPr lang="en-US" dirty="0"/>
           </a:p>
@@ -7012,39 +6598,6 @@
       </p:sp>
       <p:sp>
         <p:nvSpPr>
-          <p:cNvPr id="4" name="Date Placeholder 3">
-            <a:extLst>
-              <a:ext uri="{FF2B5EF4-FFF2-40B4-BE49-F238E27FC236}">
-                <a16:creationId xmlns:a16="http://schemas.microsoft.com/office/drawing/2014/main" id="{02A525EF-3A73-604C-996F-161B93A77BF5}"/>
-              </a:ext>
-            </a:extLst>
-          </p:cNvPr>
-          <p:cNvSpPr>
-            <a:spLocks noGrp="1"/>
-          </p:cNvSpPr>
-          <p:nvPr>
-            <p:ph type="dt" sz="half" idx="10"/>
-          </p:nvPr>
-        </p:nvSpPr>
-        <p:spPr/>
-        <p:txBody>
-          <a:bodyPr/>
-          <a:lstStyle/>
-          <a:p>
-            <a:r>
-              <a:rPr lang="en-US"/>
-              <a:t>Last Edit: </a:t>
-            </a:r>
-            <a:fld id="{693A40A6-2CF6-7F47-AF44-EE047E2E2AC3}" type="datetime1">
-              <a:rPr lang="en-US" smtClean="0"/>
-              <a:t>10/27/22</a:t>
-            </a:fld>
-            <a:endParaRPr lang="en-US" dirty="0"/>
-          </a:p>
-        </p:txBody>
-      </p:sp>
-      <p:sp>
-        <p:nvSpPr>
           <p:cNvPr id="5" name="Footer Placeholder 4">
             <a:extLst>
               <a:ext uri="{FF2B5EF4-FFF2-40B4-BE49-F238E27FC236}">
@@ -7066,7 +6619,7 @@
           <a:p>
             <a:r>
               <a:rPr lang="en-US"/>
-              <a:t>Copyright 2018, FLL TUTORIALS</a:t>
+              <a:t>Copyright 2023, FLLTutorials.com. Last edit 5/29/2023</a:t>
             </a:r>
             <a:endParaRPr lang="en-US" dirty="0"/>
           </a:p>
